--- a/마켓컬리 주제_김철기.pptx
+++ b/마켓컬리 주제_김철기.pptx
@@ -9513,10 +9513,15 @@
             <p:ph idx="1"/>
           </p:nvPr>
         </p:nvSpPr>
-        <p:spPr/>
+        <p:spPr>
+          <a:xfrm>
+            <a:off x="558800" y="1166018"/>
+            <a:ext cx="8229600" cy="4525963"/>
+          </a:xfrm>
+        </p:spPr>
         <p:txBody>
           <a:bodyPr>
-            <a:normAutofit/>
+            <a:normAutofit fontScale="85000" lnSpcReduction="20000"/>
           </a:bodyPr>
           <a:lstStyle/>
           <a:p>
@@ -9583,6 +9588,53 @@
           </a:p>
           <a:p>
             <a:r>
+              <a:rPr lang="ko-KR" altLang="en-US" dirty="0"/>
+              <a:t>고객 기반 맞춤형 시스템도 </a:t>
+            </a:r>
+            <a:endParaRPr lang="en-US" altLang="ko-KR" dirty="0"/>
+          </a:p>
+          <a:p>
+            <a:pPr marL="0" indent="0">
+              <a:buNone/>
+            </a:pPr>
+            <a:r>
+              <a:rPr lang="ko-KR" altLang="en-US" dirty="0"/>
+              <a:t>  </a:t>
+            </a:r>
+            <a:r>
+              <a:rPr lang="en-US" altLang="ko-KR" dirty="0"/>
+              <a:t> -  </a:t>
+            </a:r>
+            <a:r>
+              <a:rPr lang="ko-KR" altLang="en-US" dirty="0"/>
+              <a:t>전략적으로 접근하면 괜찮은 아이디어다</a:t>
+            </a:r>
+            <a:endParaRPr lang="en-US" altLang="ko-KR" dirty="0"/>
+          </a:p>
+          <a:p>
+            <a:pPr marL="0" indent="0">
+              <a:buNone/>
+            </a:pPr>
+            <a:r>
+              <a:rPr lang="ko-KR" altLang="en-US" dirty="0"/>
+              <a:t> </a:t>
+            </a:r>
+            <a:r>
+              <a:rPr lang="en-US" altLang="ko-KR" dirty="0"/>
+              <a:t>ex) </a:t>
+            </a:r>
+            <a:r>
+              <a:rPr lang="ko-KR" altLang="en-US" dirty="0"/>
+              <a:t>우리 아이가 좋아해요</a:t>
+            </a:r>
+            <a:r>
+              <a:rPr lang="en-US" altLang="ko-KR"/>
+              <a:t>.</a:t>
+            </a:r>
+            <a:endParaRPr lang="en-US" altLang="ko-KR" dirty="0"/>
+          </a:p>
+          <a:p>
+            <a:r>
               <a:rPr lang="en-US" altLang="ko-KR" dirty="0"/>
               <a:t> </a:t>
             </a:r>
@@ -9593,13 +9645,10 @@
             <a:endParaRPr lang="en-US" altLang="ko-KR" dirty="0"/>
           </a:p>
           <a:p>
-            <a:pPr marL="0" indent="0">
-              <a:buNone/>
-            </a:pPr>
-            <a:r>
-              <a:rPr lang="en-US" altLang="ko-KR" dirty="0"/>
-              <a:t>- </a:t>
-            </a:r>
+            <a:pPr>
+              <a:buFontTx/>
+              <a:buChar char="-"/>
+            </a:pPr>
             <a:r>
               <a:rPr lang="ko-KR" altLang="en-US" dirty="0"/>
               <a:t>좋은 </a:t>
@@ -9616,12 +9665,6 @@
               <a:rPr lang="en-US" altLang="ko-KR" dirty="0"/>
               <a:t>. </a:t>
             </a:r>
-          </a:p>
-          <a:p>
-            <a:pPr marL="0" indent="0">
-              <a:buNone/>
-            </a:pPr>
-            <a:endParaRPr lang="en-US" altLang="ko-KR" dirty="0"/>
           </a:p>
           <a:p>
             <a:endParaRPr lang="ko-KR" altLang="en-US" dirty="0"/>

--- a/마켓컬리 주제_김철기.pptx
+++ b/마켓컬리 주제_김철기.pptx
@@ -29,6 +29,7 @@
     <p:sldId id="267" r:id="rId23"/>
     <p:sldId id="275" r:id="rId24"/>
     <p:sldId id="280" r:id="rId25"/>
+    <p:sldId id="281" r:id="rId26"/>
   </p:sldIdLst>
   <p:sldSz cx="9144000" cy="6858000" type="screen4x3"/>
   <p:notesSz cx="6858000" cy="9144000"/>
@@ -3129,8 +3130,66 @@
           <a:lstStyle/>
           <a:p>
             <a:r>
-              <a:t>마켓컬리 리뷰 데이터 기반 마케팅 전략 및 기능 제안</a:t>
-            </a:r>
+              <a:rPr dirty="0" err="1"/>
+              <a:t>마켓컬리</a:t>
+            </a:r>
+            <a:r>
+              <a:rPr dirty="0"/>
+              <a:t> </a:t>
+            </a:r>
+            <a:r>
+              <a:rPr dirty="0" err="1"/>
+              <a:t>리뷰</a:t>
+            </a:r>
+            <a:r>
+              <a:rPr dirty="0"/>
+              <a:t> </a:t>
+            </a:r>
+            <a:r>
+              <a:rPr dirty="0" err="1"/>
+              <a:t>데이터</a:t>
+            </a:r>
+            <a:r>
+              <a:rPr dirty="0"/>
+              <a:t> </a:t>
+            </a:r>
+            <a:r>
+              <a:rPr dirty="0" err="1"/>
+              <a:t>기반</a:t>
+            </a:r>
+            <a:r>
+              <a:rPr dirty="0"/>
+              <a:t> </a:t>
+            </a:r>
+            <a:r>
+              <a:rPr dirty="0" err="1"/>
+              <a:t>마케팅</a:t>
+            </a:r>
+            <a:r>
+              <a:rPr dirty="0"/>
+              <a:t> </a:t>
+            </a:r>
+            <a:r>
+              <a:rPr dirty="0" err="1"/>
+              <a:t>전략</a:t>
+            </a:r>
+            <a:r>
+              <a:rPr dirty="0"/>
+              <a:t> 및 </a:t>
+            </a:r>
+            <a:r>
+              <a:rPr dirty="0" err="1"/>
+              <a:t>기능</a:t>
+            </a:r>
+            <a:r>
+              <a:rPr dirty="0"/>
+              <a:t> </a:t>
+            </a:r>
+            <a:r>
+              <a:rPr dirty="0" err="1"/>
+              <a:t>제안</a:t>
+            </a:r>
+            <a:endParaRPr dirty="0"/>
           </a:p>
         </p:txBody>
       </p:sp>
@@ -5038,8 +5097,46 @@
           <a:lstStyle/>
           <a:p>
             <a:r>
-              <a:t>6. 시간대 기반 맞춤 추천 시스템</a:t>
-            </a:r>
+              <a:rPr dirty="0"/>
+              <a:t>6. </a:t>
+            </a:r>
+            <a:r>
+              <a:rPr dirty="0" err="1"/>
+              <a:t>시간대</a:t>
+            </a:r>
+            <a:r>
+              <a:rPr dirty="0"/>
+              <a:t> </a:t>
+            </a:r>
+            <a:r>
+              <a:rPr dirty="0" err="1"/>
+              <a:t>기반</a:t>
+            </a:r>
+            <a:r>
+              <a:rPr dirty="0"/>
+              <a:t> </a:t>
+            </a:r>
+            <a:r>
+              <a:rPr dirty="0" err="1"/>
+              <a:t>맞춤</a:t>
+            </a:r>
+            <a:r>
+              <a:rPr dirty="0"/>
+              <a:t> </a:t>
+            </a:r>
+            <a:r>
+              <a:rPr dirty="0" err="1"/>
+              <a:t>추천</a:t>
+            </a:r>
+            <a:r>
+              <a:rPr dirty="0"/>
+              <a:t> </a:t>
+            </a:r>
+            <a:r>
+              <a:rPr dirty="0" err="1"/>
+              <a:t>시스템</a:t>
+            </a:r>
+            <a:endParaRPr dirty="0"/>
           </a:p>
         </p:txBody>
       </p:sp>
@@ -9628,10 +9725,9 @@
               <a:t>우리 아이가 좋아해요</a:t>
             </a:r>
             <a:r>
-              <a:rPr lang="en-US" altLang="ko-KR"/>
+              <a:rPr lang="en-US" altLang="ko-KR" dirty="0"/>
               <a:t>.</a:t>
             </a:r>
-            <a:endParaRPr lang="en-US" altLang="ko-KR" dirty="0"/>
           </a:p>
           <a:p>
             <a:r>
@@ -9675,6 +9771,284 @@
     <p:extLst>
       <p:ext uri="{BB962C8B-B14F-4D97-AF65-F5344CB8AC3E}">
         <p14:creationId xmlns:p14="http://schemas.microsoft.com/office/powerpoint/2010/main" val="587960551"/>
+      </p:ext>
+    </p:extLst>
+  </p:cSld>
+  <p:clrMapOvr>
+    <a:masterClrMapping/>
+  </p:clrMapOvr>
+</p:sld>
+</file>
+
+<file path=ppt/slides/slide25.xml><?xml version="1.0" encoding="utf-8"?>
+<p:sld xmlns:a="http://schemas.openxmlformats.org/drawingml/2006/main" xmlns:r="http://schemas.openxmlformats.org/officeDocument/2006/relationships" xmlns:p="http://schemas.openxmlformats.org/presentationml/2006/main">
+  <p:cSld>
+    <p:spTree>
+      <p:nvGrpSpPr>
+        <p:cNvPr id="1" name=""/>
+        <p:cNvGrpSpPr/>
+        <p:nvPr/>
+      </p:nvGrpSpPr>
+      <p:grpSpPr>
+        <a:xfrm>
+          <a:off x="0" y="0"/>
+          <a:ext cx="0" cy="0"/>
+          <a:chOff x="0" y="0"/>
+          <a:chExt cx="0" cy="0"/>
+        </a:xfrm>
+      </p:grpSpPr>
+      <p:sp>
+        <p:nvSpPr>
+          <p:cNvPr id="5" name="TextBox 4">
+            <a:extLst>
+              <a:ext uri="{FF2B5EF4-FFF2-40B4-BE49-F238E27FC236}">
+                <a16:creationId xmlns:a16="http://schemas.microsoft.com/office/drawing/2014/main" id="{F1D93945-D5FE-84D9-2195-0F2439188248}"/>
+              </a:ext>
+            </a:extLst>
+          </p:cNvPr>
+          <p:cNvSpPr txBox="1"/>
+          <p:nvPr/>
+        </p:nvSpPr>
+        <p:spPr>
+          <a:xfrm>
+            <a:off x="2556934" y="382012"/>
+            <a:ext cx="4572000" cy="6186309"/>
+          </a:xfrm>
+          <a:prstGeom prst="rect">
+            <a:avLst/>
+          </a:prstGeom>
+          <a:noFill/>
+        </p:spPr>
+        <p:txBody>
+          <a:bodyPr wrap="square">
+            <a:spAutoFit/>
+          </a:bodyPr>
+          <a:lstStyle/>
+          <a:p>
+            <a:r>
+              <a:rPr lang="ko-KR" altLang="en-US" sz="1200" dirty="0"/>
+              <a:t>시간대 기반 맞춤 추천 시스템</a:t>
+            </a:r>
+          </a:p>
+          <a:p>
+            <a:r>
+              <a:rPr lang="ko-KR" altLang="en-US" sz="1200" dirty="0"/>
+              <a:t>시간, 요일, 날씨 등 실시간 조건을 기반으로</a:t>
+            </a:r>
+          </a:p>
+          <a:p>
+            <a:r>
+              <a:rPr lang="ko-KR" altLang="en-US" sz="1200" dirty="0"/>
+              <a:t>해당 시점에 리뷰 반응이 가장 좋았던 상품을 추천하는 시스템</a:t>
+            </a:r>
+          </a:p>
+          <a:p>
+            <a:endParaRPr lang="ko-KR" altLang="en-US" sz="1200" dirty="0"/>
+          </a:p>
+          <a:p>
+            <a:r>
+              <a:rPr lang="ko-KR" altLang="en-US" sz="1200" dirty="0"/>
+              <a:t>항목	설명</a:t>
+            </a:r>
+          </a:p>
+          <a:p>
+            <a:r>
+              <a:rPr lang="ko-KR" altLang="en-US" sz="1200" dirty="0"/>
+              <a:t>핵심 목표	지금 이 순간의 상황(시간/날씨/요일 등)</a:t>
+            </a:r>
+            <a:r>
+              <a:rPr lang="ko-KR" altLang="en-US" sz="1200" dirty="0" err="1"/>
+              <a:t>에</a:t>
+            </a:r>
+            <a:r>
+              <a:rPr lang="ko-KR" altLang="en-US" sz="1200" dirty="0"/>
+              <a:t> 가장 어울리는 상품을 추천</a:t>
+            </a:r>
+          </a:p>
+          <a:p>
+            <a:r>
+              <a:rPr lang="ko-KR" altLang="en-US" sz="1200" dirty="0"/>
+              <a:t>핵심 로직	과거 동일 조건에서 리뷰 감정이 높았던 상품 → 실시간 추천</a:t>
+            </a:r>
+          </a:p>
+          <a:p>
+            <a:r>
+              <a:rPr lang="ko-KR" altLang="en-US" sz="1200" dirty="0"/>
+              <a:t>연계 가능	추천 배너 자동 생성, 자동 해시태그 붙이기, 감정 기반 정렬 가중치</a:t>
+            </a:r>
+          </a:p>
+          <a:p>
+            <a:endParaRPr lang="ko-KR" altLang="en-US" sz="1200" dirty="0"/>
+          </a:p>
+          <a:p>
+            <a:r>
+              <a:rPr lang="ko-KR" altLang="en-US" sz="1200" dirty="0"/>
+              <a:t> 2. 작동 방식 (</a:t>
+            </a:r>
+            <a:r>
+              <a:rPr lang="ko-KR" altLang="en-US" sz="1200" dirty="0" err="1"/>
+              <a:t>How</a:t>
+            </a:r>
+            <a:r>
+              <a:rPr lang="ko-KR" altLang="en-US" sz="1200" dirty="0"/>
+              <a:t>)</a:t>
+            </a:r>
+          </a:p>
+          <a:p>
+            <a:r>
+              <a:rPr lang="ko-KR" altLang="en-US" sz="1200" dirty="0"/>
+              <a:t>단계	처리 내용</a:t>
+            </a:r>
+          </a:p>
+          <a:p>
+            <a:r>
+              <a:rPr lang="ko-KR" altLang="en-US" sz="1200" dirty="0"/>
+              <a:t> [1] 사용자 현재 조건 수집	- 시간대 (</a:t>
+            </a:r>
+            <a:r>
+              <a:rPr lang="ko-KR" altLang="en-US" sz="1200" dirty="0" err="1"/>
+              <a:t>ex</a:t>
+            </a:r>
+            <a:r>
+              <a:rPr lang="ko-KR" altLang="en-US" sz="1200" dirty="0"/>
+              <a:t>: 23시)</a:t>
+            </a:r>
+          </a:p>
+          <a:p>
+            <a:r>
+              <a:rPr lang="ko-KR" altLang="en-US" sz="1200" dirty="0"/>
+              <a:t>- 날씨 (</a:t>
+            </a:r>
+            <a:r>
+              <a:rPr lang="ko-KR" altLang="en-US" sz="1200" dirty="0" err="1"/>
+              <a:t>ex</a:t>
+            </a:r>
+            <a:r>
+              <a:rPr lang="ko-KR" altLang="en-US" sz="1200" dirty="0"/>
+              <a:t>: 비, 흐림)</a:t>
+            </a:r>
+          </a:p>
+          <a:p>
+            <a:r>
+              <a:rPr lang="ko-KR" altLang="en-US" sz="1200" dirty="0"/>
+              <a:t>- 요일/계절 (</a:t>
+            </a:r>
+            <a:r>
+              <a:rPr lang="ko-KR" altLang="en-US" sz="1200" dirty="0" err="1"/>
+              <a:t>ex</a:t>
+            </a:r>
+            <a:r>
+              <a:rPr lang="ko-KR" altLang="en-US" sz="1200" dirty="0"/>
+              <a:t>: 금요일, 겨울)</a:t>
+            </a:r>
+          </a:p>
+          <a:p>
+            <a:r>
+              <a:rPr lang="ko-KR" altLang="en-US" sz="1200" dirty="0"/>
+              <a:t> [2] 리뷰 데이터 분석	- 리뷰 작성 시간 기준 감정 분석 (</a:t>
+            </a:r>
+            <a:r>
+              <a:rPr lang="ko-KR" altLang="en-US" sz="1200" dirty="0" err="1"/>
+              <a:t>KoBERT</a:t>
+            </a:r>
+            <a:r>
+              <a:rPr lang="ko-KR" altLang="en-US" sz="1200" dirty="0"/>
+              <a:t>)</a:t>
+            </a:r>
+          </a:p>
+          <a:p>
+            <a:r>
+              <a:rPr lang="ko-KR" altLang="en-US" sz="1200" dirty="0"/>
+              <a:t>- 시간/날씨별 감정 평균 스코어 집계</a:t>
+            </a:r>
+          </a:p>
+          <a:p>
+            <a:r>
+              <a:rPr lang="ko-KR" altLang="en-US" sz="1200" dirty="0"/>
+              <a:t> [3] 추천 로직	- 현재 조건과 유사한 리뷰 패턴 가진 상품 찾기</a:t>
+            </a:r>
+          </a:p>
+          <a:p>
+            <a:r>
+              <a:rPr lang="ko-KR" altLang="en-US" sz="1200" dirty="0"/>
+              <a:t>- 감정 점수 + 키워드 일치율로 정렬</a:t>
+            </a:r>
+          </a:p>
+          <a:p>
+            <a:r>
+              <a:rPr lang="ko-KR" altLang="en-US" sz="1200" dirty="0"/>
+              <a:t> [4] 출력	- 추천 배너: “지금 야식으로 이건 어때요?”</a:t>
+            </a:r>
+          </a:p>
+          <a:p>
+            <a:r>
+              <a:rPr lang="ko-KR" altLang="en-US" sz="1200" dirty="0"/>
+              <a:t>- 해시태그: #비오는날, #따뜻한국물 등 자동 삽입</a:t>
+            </a:r>
+          </a:p>
+          <a:p>
+            <a:endParaRPr lang="ko-KR" altLang="en-US" sz="1200" dirty="0"/>
+          </a:p>
+          <a:p>
+            <a:r>
+              <a:rPr lang="ko-KR" altLang="en-US" sz="1200" dirty="0"/>
+              <a:t>| 사용자 상황        | 결과                                                       |</a:t>
+            </a:r>
+          </a:p>
+          <a:p>
+            <a:r>
+              <a:rPr lang="ko-KR" altLang="en-US" sz="1200" dirty="0"/>
+              <a:t>| ------------- | -------------------------------------------------------- |</a:t>
+            </a:r>
+          </a:p>
+          <a:p>
+            <a:r>
+              <a:rPr lang="ko-KR" altLang="en-US" sz="1200" dirty="0"/>
+              <a:t>| 밤 11시, 비 오는 날 | `#야식`, `#국물요리` 리뷰 감정 높은 순 추천 → `우동`, `닭곰탕`, `김밥`         |</a:t>
+            </a:r>
+          </a:p>
+          <a:p>
+            <a:r>
+              <a:rPr lang="ko-KR" altLang="en-US" sz="1200" dirty="0"/>
+              <a:t>| 오전 8시, 맑은 날   | `#아침식사`, `#간편`, `#시리얼` 리뷰 다수 → `</a:t>
+            </a:r>
+            <a:r>
+              <a:rPr lang="ko-KR" altLang="en-US" sz="1200" dirty="0" err="1"/>
+              <a:t>그릭요거트</a:t>
+            </a:r>
+            <a:r>
+              <a:rPr lang="ko-KR" altLang="en-US" sz="1200" dirty="0"/>
+              <a:t>`, `시리얼`, `샌드위치`    |</a:t>
+            </a:r>
+          </a:p>
+          <a:p>
+            <a:r>
+              <a:rPr lang="ko-KR" altLang="en-US" sz="1200" dirty="0"/>
+              <a:t>| 일요일 저녁, 흐림    | `#주말저녁`, `#</a:t>
+            </a:r>
+            <a:r>
+              <a:rPr lang="ko-KR" altLang="en-US" sz="1200" dirty="0" err="1"/>
+              <a:t>가족식</a:t>
+            </a:r>
+            <a:r>
+              <a:rPr lang="ko-KR" altLang="en-US" sz="1200" dirty="0"/>
+              <a:t>`, `#풍성함` 키워드 → `소불고기 밀키트`, `</a:t>
+            </a:r>
+            <a:r>
+              <a:rPr lang="ko-KR" altLang="en-US" sz="1200" dirty="0" err="1"/>
+              <a:t>해물파전</a:t>
+            </a:r>
+            <a:r>
+              <a:rPr lang="ko-KR" altLang="en-US" sz="1200" dirty="0"/>
+              <a:t>`, `된장찌개` |</a:t>
+            </a:r>
+          </a:p>
+        </p:txBody>
+      </p:sp>
+    </p:spTree>
+    <p:extLst>
+      <p:ext uri="{BB962C8B-B14F-4D97-AF65-F5344CB8AC3E}">
+        <p14:creationId xmlns:p14="http://schemas.microsoft.com/office/powerpoint/2010/main" val="642008439"/>
       </p:ext>
     </p:extLst>
   </p:cSld>
